--- a/presentation/figures/methodflow.pptx
+++ b/presentation/figures/methodflow.pptx
@@ -2,7 +2,7 @@
 <file path=ppt/presentation.xml><?xml version="1.0" encoding="utf-8"?>
 <p:presentation xmlns:a="http://schemas.openxmlformats.org/drawingml/2006/main" xmlns:r="http://schemas.openxmlformats.org/officeDocument/2006/relationships" xmlns:p="http://schemas.openxmlformats.org/presentationml/2006/main" saveSubsetFonts="1">
   <p:sldMasterIdLst>
-    <p:sldMasterId id="2147483648" r:id="rId1"/>
+    <p:sldMasterId id="2147483660" r:id="rId1"/>
   </p:sldMasterIdLst>
   <p:sldIdLst>
     <p:sldId id="256" r:id="rId2"/>
@@ -10,13 +10,13 @@
     <p:sldId id="258" r:id="rId4"/>
     <p:sldId id="257" r:id="rId5"/>
   </p:sldIdLst>
-  <p:sldSz cx="12192000" cy="6858000"/>
+  <p:sldSz cx="9144000" cy="9144000"/>
   <p:notesSz cx="6858000" cy="9144000"/>
   <p:defaultTextStyle>
     <a:defPPr>
       <a:defRPr lang="en-US"/>
     </a:defPPr>
-    <a:lvl1pPr marL="0" algn="l" defTabSz="914400" rtl="0" eaLnBrk="1" latinLnBrk="0" hangingPunct="1">
+    <a:lvl1pPr marL="0" algn="l" defTabSz="457200" rtl="0" eaLnBrk="1" latinLnBrk="0" hangingPunct="1">
       <a:defRPr sz="1800" kern="1200">
         <a:solidFill>
           <a:schemeClr val="tx1"/>
@@ -26,7 +26,7 @@
         <a:cs typeface="+mn-cs"/>
       </a:defRPr>
     </a:lvl1pPr>
-    <a:lvl2pPr marL="457200" algn="l" defTabSz="914400" rtl="0" eaLnBrk="1" latinLnBrk="0" hangingPunct="1">
+    <a:lvl2pPr marL="457200" algn="l" defTabSz="457200" rtl="0" eaLnBrk="1" latinLnBrk="0" hangingPunct="1">
       <a:defRPr sz="1800" kern="1200">
         <a:solidFill>
           <a:schemeClr val="tx1"/>
@@ -36,7 +36,7 @@
         <a:cs typeface="+mn-cs"/>
       </a:defRPr>
     </a:lvl2pPr>
-    <a:lvl3pPr marL="914400" algn="l" defTabSz="914400" rtl="0" eaLnBrk="1" latinLnBrk="0" hangingPunct="1">
+    <a:lvl3pPr marL="914400" algn="l" defTabSz="457200" rtl="0" eaLnBrk="1" latinLnBrk="0" hangingPunct="1">
       <a:defRPr sz="1800" kern="1200">
         <a:solidFill>
           <a:schemeClr val="tx1"/>
@@ -46,7 +46,7 @@
         <a:cs typeface="+mn-cs"/>
       </a:defRPr>
     </a:lvl3pPr>
-    <a:lvl4pPr marL="1371600" algn="l" defTabSz="914400" rtl="0" eaLnBrk="1" latinLnBrk="0" hangingPunct="1">
+    <a:lvl4pPr marL="1371600" algn="l" defTabSz="457200" rtl="0" eaLnBrk="1" latinLnBrk="0" hangingPunct="1">
       <a:defRPr sz="1800" kern="1200">
         <a:solidFill>
           <a:schemeClr val="tx1"/>
@@ -56,7 +56,7 @@
         <a:cs typeface="+mn-cs"/>
       </a:defRPr>
     </a:lvl4pPr>
-    <a:lvl5pPr marL="1828800" algn="l" defTabSz="914400" rtl="0" eaLnBrk="1" latinLnBrk="0" hangingPunct="1">
+    <a:lvl5pPr marL="1828800" algn="l" defTabSz="457200" rtl="0" eaLnBrk="1" latinLnBrk="0" hangingPunct="1">
       <a:defRPr sz="1800" kern="1200">
         <a:solidFill>
           <a:schemeClr val="tx1"/>
@@ -66,7 +66,7 @@
         <a:cs typeface="+mn-cs"/>
       </a:defRPr>
     </a:lvl5pPr>
-    <a:lvl6pPr marL="2286000" algn="l" defTabSz="914400" rtl="0" eaLnBrk="1" latinLnBrk="0" hangingPunct="1">
+    <a:lvl6pPr marL="2286000" algn="l" defTabSz="457200" rtl="0" eaLnBrk="1" latinLnBrk="0" hangingPunct="1">
       <a:defRPr sz="1800" kern="1200">
         <a:solidFill>
           <a:schemeClr val="tx1"/>
@@ -76,7 +76,7 @@
         <a:cs typeface="+mn-cs"/>
       </a:defRPr>
     </a:lvl6pPr>
-    <a:lvl7pPr marL="2743200" algn="l" defTabSz="914400" rtl="0" eaLnBrk="1" latinLnBrk="0" hangingPunct="1">
+    <a:lvl7pPr marL="2743200" algn="l" defTabSz="457200" rtl="0" eaLnBrk="1" latinLnBrk="0" hangingPunct="1">
       <a:defRPr sz="1800" kern="1200">
         <a:solidFill>
           <a:schemeClr val="tx1"/>
@@ -86,7 +86,7 @@
         <a:cs typeface="+mn-cs"/>
       </a:defRPr>
     </a:lvl7pPr>
-    <a:lvl8pPr marL="3200400" algn="l" defTabSz="914400" rtl="0" eaLnBrk="1" latinLnBrk="0" hangingPunct="1">
+    <a:lvl8pPr marL="3200400" algn="l" defTabSz="457200" rtl="0" eaLnBrk="1" latinLnBrk="0" hangingPunct="1">
       <a:defRPr sz="1800" kern="1200">
         <a:solidFill>
           <a:schemeClr val="tx1"/>
@@ -96,7 +96,7 @@
         <a:cs typeface="+mn-cs"/>
       </a:defRPr>
     </a:lvl8pPr>
-    <a:lvl9pPr marL="3657600" algn="l" defTabSz="914400" rtl="0" eaLnBrk="1" latinLnBrk="0" hangingPunct="1">
+    <a:lvl9pPr marL="3657600" algn="l" defTabSz="457200" rtl="0" eaLnBrk="1" latinLnBrk="0" hangingPunct="1">
       <a:defRPr sz="1800" kern="1200">
         <a:solidFill>
           <a:schemeClr val="tx1"/>
@@ -110,12 +110,12 @@
   <p:extLst>
     <p:ext uri="{EFAFB233-063F-42B5-8137-9DF3F51BA10A}">
       <p15:sldGuideLst xmlns:p15="http://schemas.microsoft.com/office/powerpoint/2012/main">
-        <p15:guide id="1" orient="horz" pos="2160" userDrawn="1">
+        <p15:guide id="1" orient="horz" pos="2880" userDrawn="1">
           <p15:clr>
             <a:srgbClr val="A4A3A4"/>
           </p15:clr>
         </p15:guide>
-        <p15:guide id="2" pos="3840" userDrawn="1">
+        <p15:guide id="2" pos="2880" userDrawn="1">
           <p15:clr>
             <a:srgbClr val="A4A3A4"/>
           </p15:clr>
@@ -155,8 +155,8 @@
         </p:nvSpPr>
         <p:spPr>
           <a:xfrm>
-            <a:off x="1524000" y="1122363"/>
-            <a:ext cx="9144000" cy="2387600"/>
+            <a:off x="685800" y="1496484"/>
+            <a:ext cx="7772400" cy="3183467"/>
           </a:xfrm>
         </p:spPr>
         <p:txBody>
@@ -168,10 +168,10 @@
           </a:lstStyle>
           <a:p>
             <a:r>
-              <a:rPr lang="en-US" smtClean="0"/>
+              <a:rPr lang="en-US"/>
               <a:t>Click to edit Master title style</a:t>
             </a:r>
-            <a:endParaRPr lang="en-US"/>
+            <a:endParaRPr lang="en-US" dirty="0"/>
           </a:p>
         </p:txBody>
       </p:sp>
@@ -187,8 +187,8 @@
         </p:nvSpPr>
         <p:spPr>
           <a:xfrm>
-            <a:off x="1524000" y="3602038"/>
-            <a:ext cx="9144000" cy="1655762"/>
+            <a:off x="1143000" y="4802717"/>
+            <a:ext cx="6858000" cy="2207683"/>
           </a:xfrm>
         </p:spPr>
         <p:txBody>
@@ -233,10 +233,10 @@
           </a:lstStyle>
           <a:p>
             <a:r>
-              <a:rPr lang="en-US" smtClean="0"/>
+              <a:rPr lang="en-US"/>
               <a:t>Click to edit Master subtitle style</a:t>
             </a:r>
-            <a:endParaRPr lang="en-US"/>
+            <a:endParaRPr lang="en-US" dirty="0"/>
           </a:p>
         </p:txBody>
       </p:sp>
@@ -257,7 +257,7 @@
           <a:p>
             <a:fld id="{F9105398-09AC-42D7-B612-42E4B88822B6}" type="datetimeFigureOut">
               <a:rPr lang="en-US" smtClean="0"/>
-              <a:t>07/20/19</a:t>
+              <a:t>7/21/19</a:t>
             </a:fld>
             <a:endParaRPr lang="en-US"/>
           </a:p>
@@ -308,7 +308,7 @@
     </p:spTree>
     <p:extLst>
       <p:ext uri="{BB962C8B-B14F-4D97-AF65-F5344CB8AC3E}">
-        <p14:creationId xmlns:p14="http://schemas.microsoft.com/office/powerpoint/2010/main" val="3743787876"/>
+        <p14:creationId xmlns:p14="http://schemas.microsoft.com/office/powerpoint/2010/main" val="2881197033"/>
       </p:ext>
     </p:extLst>
   </p:cSld>
@@ -351,10 +351,10 @@
           <a:lstStyle/>
           <a:p>
             <a:r>
-              <a:rPr lang="en-US" smtClean="0"/>
+              <a:rPr lang="en-US"/>
               <a:t>Click to edit Master title style</a:t>
             </a:r>
-            <a:endParaRPr lang="en-US"/>
+            <a:endParaRPr lang="en-US" dirty="0"/>
           </a:p>
         </p:txBody>
       </p:sp>
@@ -375,38 +375,38 @@
           <a:p>
             <a:pPr lvl="0"/>
             <a:r>
-              <a:rPr lang="en-US" smtClean="0"/>
+              <a:rPr lang="en-US"/>
               <a:t>Click to edit Master text styles</a:t>
             </a:r>
           </a:p>
           <a:p>
             <a:pPr lvl="1"/>
             <a:r>
-              <a:rPr lang="en-US" smtClean="0"/>
+              <a:rPr lang="en-US"/>
               <a:t>Second level</a:t>
             </a:r>
           </a:p>
           <a:p>
             <a:pPr lvl="2"/>
             <a:r>
-              <a:rPr lang="en-US" smtClean="0"/>
+              <a:rPr lang="en-US"/>
               <a:t>Third level</a:t>
             </a:r>
           </a:p>
           <a:p>
             <a:pPr lvl="3"/>
             <a:r>
-              <a:rPr lang="en-US" smtClean="0"/>
+              <a:rPr lang="en-US"/>
               <a:t>Fourth level</a:t>
             </a:r>
           </a:p>
           <a:p>
             <a:pPr lvl="4"/>
             <a:r>
-              <a:rPr lang="en-US" smtClean="0"/>
+              <a:rPr lang="en-US"/>
               <a:t>Fifth level</a:t>
             </a:r>
-            <a:endParaRPr lang="en-US"/>
+            <a:endParaRPr lang="en-US" dirty="0"/>
           </a:p>
         </p:txBody>
       </p:sp>
@@ -427,7 +427,7 @@
           <a:p>
             <a:fld id="{F9105398-09AC-42D7-B612-42E4B88822B6}" type="datetimeFigureOut">
               <a:rPr lang="en-US" smtClean="0"/>
-              <a:t>07/20/19</a:t>
+              <a:t>7/21/19</a:t>
             </a:fld>
             <a:endParaRPr lang="en-US"/>
           </a:p>
@@ -478,7 +478,7 @@
     </p:spTree>
     <p:extLst>
       <p:ext uri="{BB962C8B-B14F-4D97-AF65-F5344CB8AC3E}">
-        <p14:creationId xmlns:p14="http://schemas.microsoft.com/office/powerpoint/2010/main" val="2918315069"/>
+        <p14:creationId xmlns:p14="http://schemas.microsoft.com/office/powerpoint/2010/main" val="1499628022"/>
       </p:ext>
     </p:extLst>
   </p:cSld>
@@ -517,8 +517,8 @@
         </p:nvSpPr>
         <p:spPr>
           <a:xfrm>
-            <a:off x="8724900" y="365125"/>
-            <a:ext cx="2628900" cy="5811838"/>
+            <a:off x="6543676" y="486834"/>
+            <a:ext cx="1971675" cy="7749117"/>
           </a:xfrm>
         </p:spPr>
         <p:txBody>
@@ -526,10 +526,10 @@
           <a:lstStyle/>
           <a:p>
             <a:r>
-              <a:rPr lang="en-US" smtClean="0"/>
+              <a:rPr lang="en-US"/>
               <a:t>Click to edit Master title style</a:t>
             </a:r>
-            <a:endParaRPr lang="en-US"/>
+            <a:endParaRPr lang="en-US" dirty="0"/>
           </a:p>
         </p:txBody>
       </p:sp>
@@ -545,8 +545,8 @@
         </p:nvSpPr>
         <p:spPr>
           <a:xfrm>
-            <a:off x="838200" y="365125"/>
-            <a:ext cx="7734300" cy="5811838"/>
+            <a:off x="628651" y="486834"/>
+            <a:ext cx="5800725" cy="7749117"/>
           </a:xfrm>
         </p:spPr>
         <p:txBody>
@@ -555,38 +555,38 @@
           <a:p>
             <a:pPr lvl="0"/>
             <a:r>
-              <a:rPr lang="en-US" smtClean="0"/>
+              <a:rPr lang="en-US"/>
               <a:t>Click to edit Master text styles</a:t>
             </a:r>
           </a:p>
           <a:p>
             <a:pPr lvl="1"/>
             <a:r>
-              <a:rPr lang="en-US" smtClean="0"/>
+              <a:rPr lang="en-US"/>
               <a:t>Second level</a:t>
             </a:r>
           </a:p>
           <a:p>
             <a:pPr lvl="2"/>
             <a:r>
-              <a:rPr lang="en-US" smtClean="0"/>
+              <a:rPr lang="en-US"/>
               <a:t>Third level</a:t>
             </a:r>
           </a:p>
           <a:p>
             <a:pPr lvl="3"/>
             <a:r>
-              <a:rPr lang="en-US" smtClean="0"/>
+              <a:rPr lang="en-US"/>
               <a:t>Fourth level</a:t>
             </a:r>
           </a:p>
           <a:p>
             <a:pPr lvl="4"/>
             <a:r>
-              <a:rPr lang="en-US" smtClean="0"/>
+              <a:rPr lang="en-US"/>
               <a:t>Fifth level</a:t>
             </a:r>
-            <a:endParaRPr lang="en-US"/>
+            <a:endParaRPr lang="en-US" dirty="0"/>
           </a:p>
         </p:txBody>
       </p:sp>
@@ -607,7 +607,7 @@
           <a:p>
             <a:fld id="{F9105398-09AC-42D7-B612-42E4B88822B6}" type="datetimeFigureOut">
               <a:rPr lang="en-US" smtClean="0"/>
-              <a:t>07/20/19</a:t>
+              <a:t>7/21/19</a:t>
             </a:fld>
             <a:endParaRPr lang="en-US"/>
           </a:p>
@@ -658,7 +658,7 @@
     </p:spTree>
     <p:extLst>
       <p:ext uri="{BB962C8B-B14F-4D97-AF65-F5344CB8AC3E}">
-        <p14:creationId xmlns:p14="http://schemas.microsoft.com/office/powerpoint/2010/main" val="2474474425"/>
+        <p14:creationId xmlns:p14="http://schemas.microsoft.com/office/powerpoint/2010/main" val="274873112"/>
       </p:ext>
     </p:extLst>
   </p:cSld>
@@ -701,10 +701,10 @@
           <a:lstStyle/>
           <a:p>
             <a:r>
-              <a:rPr lang="en-US" smtClean="0"/>
+              <a:rPr lang="en-US"/>
               <a:t>Click to edit Master title style</a:t>
             </a:r>
-            <a:endParaRPr lang="en-US"/>
+            <a:endParaRPr lang="en-US" dirty="0"/>
           </a:p>
         </p:txBody>
       </p:sp>
@@ -725,38 +725,38 @@
           <a:p>
             <a:pPr lvl="0"/>
             <a:r>
-              <a:rPr lang="en-US" smtClean="0"/>
+              <a:rPr lang="en-US"/>
               <a:t>Click to edit Master text styles</a:t>
             </a:r>
           </a:p>
           <a:p>
             <a:pPr lvl="1"/>
             <a:r>
-              <a:rPr lang="en-US" smtClean="0"/>
+              <a:rPr lang="en-US"/>
               <a:t>Second level</a:t>
             </a:r>
           </a:p>
           <a:p>
             <a:pPr lvl="2"/>
             <a:r>
-              <a:rPr lang="en-US" smtClean="0"/>
+              <a:rPr lang="en-US"/>
               <a:t>Third level</a:t>
             </a:r>
           </a:p>
           <a:p>
             <a:pPr lvl="3"/>
             <a:r>
-              <a:rPr lang="en-US" smtClean="0"/>
+              <a:rPr lang="en-US"/>
               <a:t>Fourth level</a:t>
             </a:r>
           </a:p>
           <a:p>
             <a:pPr lvl="4"/>
             <a:r>
-              <a:rPr lang="en-US" smtClean="0"/>
+              <a:rPr lang="en-US"/>
               <a:t>Fifth level</a:t>
             </a:r>
-            <a:endParaRPr lang="en-US"/>
+            <a:endParaRPr lang="en-US" dirty="0"/>
           </a:p>
         </p:txBody>
       </p:sp>
@@ -777,7 +777,7 @@
           <a:p>
             <a:fld id="{F9105398-09AC-42D7-B612-42E4B88822B6}" type="datetimeFigureOut">
               <a:rPr lang="en-US" smtClean="0"/>
-              <a:t>07/20/19</a:t>
+              <a:t>7/21/19</a:t>
             </a:fld>
             <a:endParaRPr lang="en-US"/>
           </a:p>
@@ -828,7 +828,7 @@
     </p:spTree>
     <p:extLst>
       <p:ext uri="{BB962C8B-B14F-4D97-AF65-F5344CB8AC3E}">
-        <p14:creationId xmlns:p14="http://schemas.microsoft.com/office/powerpoint/2010/main" val="2847024672"/>
+        <p14:creationId xmlns:p14="http://schemas.microsoft.com/office/powerpoint/2010/main" val="3630625902"/>
       </p:ext>
     </p:extLst>
   </p:cSld>
@@ -867,8 +867,8 @@
         </p:nvSpPr>
         <p:spPr>
           <a:xfrm>
-            <a:off x="831850" y="1709738"/>
-            <a:ext cx="10515600" cy="2852737"/>
+            <a:off x="623888" y="2279653"/>
+            <a:ext cx="7886700" cy="3803649"/>
           </a:xfrm>
         </p:spPr>
         <p:txBody>
@@ -880,10 +880,10 @@
           </a:lstStyle>
           <a:p>
             <a:r>
-              <a:rPr lang="en-US" smtClean="0"/>
+              <a:rPr lang="en-US"/>
               <a:t>Click to edit Master title style</a:t>
             </a:r>
-            <a:endParaRPr lang="en-US"/>
+            <a:endParaRPr lang="en-US" dirty="0"/>
           </a:p>
         </p:txBody>
       </p:sp>
@@ -899,8 +899,8 @@
         </p:nvSpPr>
         <p:spPr>
           <a:xfrm>
-            <a:off x="831850" y="4589463"/>
-            <a:ext cx="10515600" cy="1500187"/>
+            <a:off x="623888" y="6119286"/>
+            <a:ext cx="7886700" cy="2000249"/>
           </a:xfrm>
         </p:spPr>
         <p:txBody>
@@ -910,9 +910,7 @@
               <a:buNone/>
               <a:defRPr sz="2400">
                 <a:solidFill>
-                  <a:schemeClr val="tx1">
-                    <a:tint val="75000"/>
-                  </a:schemeClr>
+                  <a:schemeClr val="tx1"/>
                 </a:solidFill>
               </a:defRPr>
             </a:lvl1pPr>
@@ -1000,7 +998,7 @@
           <a:p>
             <a:pPr lvl="0"/>
             <a:r>
-              <a:rPr lang="en-US" smtClean="0"/>
+              <a:rPr lang="en-US"/>
               <a:t>Click to edit Master text styles</a:t>
             </a:r>
           </a:p>
@@ -1023,7 +1021,7 @@
           <a:p>
             <a:fld id="{F9105398-09AC-42D7-B612-42E4B88822B6}" type="datetimeFigureOut">
               <a:rPr lang="en-US" smtClean="0"/>
-              <a:t>07/20/19</a:t>
+              <a:t>7/21/19</a:t>
             </a:fld>
             <a:endParaRPr lang="en-US"/>
           </a:p>
@@ -1074,7 +1072,7 @@
     </p:spTree>
     <p:extLst>
       <p:ext uri="{BB962C8B-B14F-4D97-AF65-F5344CB8AC3E}">
-        <p14:creationId xmlns:p14="http://schemas.microsoft.com/office/powerpoint/2010/main" val="250331688"/>
+        <p14:creationId xmlns:p14="http://schemas.microsoft.com/office/powerpoint/2010/main" val="410474434"/>
       </p:ext>
     </p:extLst>
   </p:cSld>
@@ -1117,10 +1115,10 @@
           <a:lstStyle/>
           <a:p>
             <a:r>
-              <a:rPr lang="en-US" smtClean="0"/>
+              <a:rPr lang="en-US"/>
               <a:t>Click to edit Master title style</a:t>
             </a:r>
-            <a:endParaRPr lang="en-US"/>
+            <a:endParaRPr lang="en-US" dirty="0"/>
           </a:p>
         </p:txBody>
       </p:sp>
@@ -1136,8 +1134,8 @@
         </p:nvSpPr>
         <p:spPr>
           <a:xfrm>
-            <a:off x="838200" y="1825625"/>
-            <a:ext cx="5181600" cy="4351338"/>
+            <a:off x="628650" y="2434167"/>
+            <a:ext cx="3886200" cy="5801784"/>
           </a:xfrm>
         </p:spPr>
         <p:txBody>
@@ -1146,38 +1144,38 @@
           <a:p>
             <a:pPr lvl="0"/>
             <a:r>
-              <a:rPr lang="en-US" smtClean="0"/>
+              <a:rPr lang="en-US"/>
               <a:t>Click to edit Master text styles</a:t>
             </a:r>
           </a:p>
           <a:p>
             <a:pPr lvl="1"/>
             <a:r>
-              <a:rPr lang="en-US" smtClean="0"/>
+              <a:rPr lang="en-US"/>
               <a:t>Second level</a:t>
             </a:r>
           </a:p>
           <a:p>
             <a:pPr lvl="2"/>
             <a:r>
-              <a:rPr lang="en-US" smtClean="0"/>
+              <a:rPr lang="en-US"/>
               <a:t>Third level</a:t>
             </a:r>
           </a:p>
           <a:p>
             <a:pPr lvl="3"/>
             <a:r>
-              <a:rPr lang="en-US" smtClean="0"/>
+              <a:rPr lang="en-US"/>
               <a:t>Fourth level</a:t>
             </a:r>
           </a:p>
           <a:p>
             <a:pPr lvl="4"/>
             <a:r>
-              <a:rPr lang="en-US" smtClean="0"/>
+              <a:rPr lang="en-US"/>
               <a:t>Fifth level</a:t>
             </a:r>
-            <a:endParaRPr lang="en-US"/>
+            <a:endParaRPr lang="en-US" dirty="0"/>
           </a:p>
         </p:txBody>
       </p:sp>
@@ -1193,8 +1191,8 @@
         </p:nvSpPr>
         <p:spPr>
           <a:xfrm>
-            <a:off x="6172200" y="1825625"/>
-            <a:ext cx="5181600" cy="4351338"/>
+            <a:off x="4629150" y="2434167"/>
+            <a:ext cx="3886200" cy="5801784"/>
           </a:xfrm>
         </p:spPr>
         <p:txBody>
@@ -1203,38 +1201,38 @@
           <a:p>
             <a:pPr lvl="0"/>
             <a:r>
-              <a:rPr lang="en-US" smtClean="0"/>
+              <a:rPr lang="en-US"/>
               <a:t>Click to edit Master text styles</a:t>
             </a:r>
           </a:p>
           <a:p>
             <a:pPr lvl="1"/>
             <a:r>
-              <a:rPr lang="en-US" smtClean="0"/>
+              <a:rPr lang="en-US"/>
               <a:t>Second level</a:t>
             </a:r>
           </a:p>
           <a:p>
             <a:pPr lvl="2"/>
             <a:r>
-              <a:rPr lang="en-US" smtClean="0"/>
+              <a:rPr lang="en-US"/>
               <a:t>Third level</a:t>
             </a:r>
           </a:p>
           <a:p>
             <a:pPr lvl="3"/>
             <a:r>
-              <a:rPr lang="en-US" smtClean="0"/>
+              <a:rPr lang="en-US"/>
               <a:t>Fourth level</a:t>
             </a:r>
           </a:p>
           <a:p>
             <a:pPr lvl="4"/>
             <a:r>
-              <a:rPr lang="en-US" smtClean="0"/>
+              <a:rPr lang="en-US"/>
               <a:t>Fifth level</a:t>
             </a:r>
-            <a:endParaRPr lang="en-US"/>
+            <a:endParaRPr lang="en-US" dirty="0"/>
           </a:p>
         </p:txBody>
       </p:sp>
@@ -1255,7 +1253,7 @@
           <a:p>
             <a:fld id="{F9105398-09AC-42D7-B612-42E4B88822B6}" type="datetimeFigureOut">
               <a:rPr lang="en-US" smtClean="0"/>
-              <a:t>07/20/19</a:t>
+              <a:t>7/21/19</a:t>
             </a:fld>
             <a:endParaRPr lang="en-US"/>
           </a:p>
@@ -1306,7 +1304,7 @@
     </p:spTree>
     <p:extLst>
       <p:ext uri="{BB962C8B-B14F-4D97-AF65-F5344CB8AC3E}">
-        <p14:creationId xmlns:p14="http://schemas.microsoft.com/office/powerpoint/2010/main" val="3624468577"/>
+        <p14:creationId xmlns:p14="http://schemas.microsoft.com/office/powerpoint/2010/main" val="1479326911"/>
       </p:ext>
     </p:extLst>
   </p:cSld>
@@ -1345,8 +1343,8 @@
         </p:nvSpPr>
         <p:spPr>
           <a:xfrm>
-            <a:off x="839788" y="365125"/>
-            <a:ext cx="10515600" cy="1325563"/>
+            <a:off x="629841" y="486836"/>
+            <a:ext cx="7886700" cy="1767417"/>
           </a:xfrm>
         </p:spPr>
         <p:txBody>
@@ -1354,10 +1352,10 @@
           <a:lstStyle/>
           <a:p>
             <a:r>
-              <a:rPr lang="en-US" smtClean="0"/>
+              <a:rPr lang="en-US"/>
               <a:t>Click to edit Master title style</a:t>
             </a:r>
-            <a:endParaRPr lang="en-US"/>
+            <a:endParaRPr lang="en-US" dirty="0"/>
           </a:p>
         </p:txBody>
       </p:sp>
@@ -1373,8 +1371,8 @@
         </p:nvSpPr>
         <p:spPr>
           <a:xfrm>
-            <a:off x="839788" y="1681163"/>
-            <a:ext cx="5157787" cy="823912"/>
+            <a:off x="629842" y="2241551"/>
+            <a:ext cx="3868340" cy="1098549"/>
           </a:xfrm>
         </p:spPr>
         <p:txBody>
@@ -1420,7 +1418,7 @@
           <a:p>
             <a:pPr lvl="0"/>
             <a:r>
-              <a:rPr lang="en-US" smtClean="0"/>
+              <a:rPr lang="en-US"/>
               <a:t>Click to edit Master text styles</a:t>
             </a:r>
           </a:p>
@@ -1438,8 +1436,8 @@
         </p:nvSpPr>
         <p:spPr>
           <a:xfrm>
-            <a:off x="839788" y="2505075"/>
-            <a:ext cx="5157787" cy="3684588"/>
+            <a:off x="629842" y="3340100"/>
+            <a:ext cx="3868340" cy="4912784"/>
           </a:xfrm>
         </p:spPr>
         <p:txBody>
@@ -1448,38 +1446,38 @@
           <a:p>
             <a:pPr lvl="0"/>
             <a:r>
-              <a:rPr lang="en-US" smtClean="0"/>
+              <a:rPr lang="en-US"/>
               <a:t>Click to edit Master text styles</a:t>
             </a:r>
           </a:p>
           <a:p>
             <a:pPr lvl="1"/>
             <a:r>
-              <a:rPr lang="en-US" smtClean="0"/>
+              <a:rPr lang="en-US"/>
               <a:t>Second level</a:t>
             </a:r>
           </a:p>
           <a:p>
             <a:pPr lvl="2"/>
             <a:r>
-              <a:rPr lang="en-US" smtClean="0"/>
+              <a:rPr lang="en-US"/>
               <a:t>Third level</a:t>
             </a:r>
           </a:p>
           <a:p>
             <a:pPr lvl="3"/>
             <a:r>
-              <a:rPr lang="en-US" smtClean="0"/>
+              <a:rPr lang="en-US"/>
               <a:t>Fourth level</a:t>
             </a:r>
           </a:p>
           <a:p>
             <a:pPr lvl="4"/>
             <a:r>
-              <a:rPr lang="en-US" smtClean="0"/>
+              <a:rPr lang="en-US"/>
               <a:t>Fifth level</a:t>
             </a:r>
-            <a:endParaRPr lang="en-US"/>
+            <a:endParaRPr lang="en-US" dirty="0"/>
           </a:p>
         </p:txBody>
       </p:sp>
@@ -1495,8 +1493,8 @@
         </p:nvSpPr>
         <p:spPr>
           <a:xfrm>
-            <a:off x="6172200" y="1681163"/>
-            <a:ext cx="5183188" cy="823912"/>
+            <a:off x="4629151" y="2241551"/>
+            <a:ext cx="3887391" cy="1098549"/>
           </a:xfrm>
         </p:spPr>
         <p:txBody>
@@ -1542,7 +1540,7 @@
           <a:p>
             <a:pPr lvl="0"/>
             <a:r>
-              <a:rPr lang="en-US" smtClean="0"/>
+              <a:rPr lang="en-US"/>
               <a:t>Click to edit Master text styles</a:t>
             </a:r>
           </a:p>
@@ -1560,8 +1558,8 @@
         </p:nvSpPr>
         <p:spPr>
           <a:xfrm>
-            <a:off x="6172200" y="2505075"/>
-            <a:ext cx="5183188" cy="3684588"/>
+            <a:off x="4629151" y="3340100"/>
+            <a:ext cx="3887391" cy="4912784"/>
           </a:xfrm>
         </p:spPr>
         <p:txBody>
@@ -1570,38 +1568,38 @@
           <a:p>
             <a:pPr lvl="0"/>
             <a:r>
-              <a:rPr lang="en-US" smtClean="0"/>
+              <a:rPr lang="en-US"/>
               <a:t>Click to edit Master text styles</a:t>
             </a:r>
           </a:p>
           <a:p>
             <a:pPr lvl="1"/>
             <a:r>
-              <a:rPr lang="en-US" smtClean="0"/>
+              <a:rPr lang="en-US"/>
               <a:t>Second level</a:t>
             </a:r>
           </a:p>
           <a:p>
             <a:pPr lvl="2"/>
             <a:r>
-              <a:rPr lang="en-US" smtClean="0"/>
+              <a:rPr lang="en-US"/>
               <a:t>Third level</a:t>
             </a:r>
           </a:p>
           <a:p>
             <a:pPr lvl="3"/>
             <a:r>
-              <a:rPr lang="en-US" smtClean="0"/>
+              <a:rPr lang="en-US"/>
               <a:t>Fourth level</a:t>
             </a:r>
           </a:p>
           <a:p>
             <a:pPr lvl="4"/>
             <a:r>
-              <a:rPr lang="en-US" smtClean="0"/>
+              <a:rPr lang="en-US"/>
               <a:t>Fifth level</a:t>
             </a:r>
-            <a:endParaRPr lang="en-US"/>
+            <a:endParaRPr lang="en-US" dirty="0"/>
           </a:p>
         </p:txBody>
       </p:sp>
@@ -1622,7 +1620,7 @@
           <a:p>
             <a:fld id="{F9105398-09AC-42D7-B612-42E4B88822B6}" type="datetimeFigureOut">
               <a:rPr lang="en-US" smtClean="0"/>
-              <a:t>07/20/19</a:t>
+              <a:t>7/21/19</a:t>
             </a:fld>
             <a:endParaRPr lang="en-US"/>
           </a:p>
@@ -1673,7 +1671,7 @@
     </p:spTree>
     <p:extLst>
       <p:ext uri="{BB962C8B-B14F-4D97-AF65-F5344CB8AC3E}">
-        <p14:creationId xmlns:p14="http://schemas.microsoft.com/office/powerpoint/2010/main" val="594547693"/>
+        <p14:creationId xmlns:p14="http://schemas.microsoft.com/office/powerpoint/2010/main" val="1089969770"/>
       </p:ext>
     </p:extLst>
   </p:cSld>
@@ -1716,10 +1714,10 @@
           <a:lstStyle/>
           <a:p>
             <a:r>
-              <a:rPr lang="en-US" smtClean="0"/>
+              <a:rPr lang="en-US"/>
               <a:t>Click to edit Master title style</a:t>
             </a:r>
-            <a:endParaRPr lang="en-US"/>
+            <a:endParaRPr lang="en-US" dirty="0"/>
           </a:p>
         </p:txBody>
       </p:sp>
@@ -1740,7 +1738,7 @@
           <a:p>
             <a:fld id="{F9105398-09AC-42D7-B612-42E4B88822B6}" type="datetimeFigureOut">
               <a:rPr lang="en-US" smtClean="0"/>
-              <a:t>07/20/19</a:t>
+              <a:t>7/21/19</a:t>
             </a:fld>
             <a:endParaRPr lang="en-US"/>
           </a:p>
@@ -1791,7 +1789,7 @@
     </p:spTree>
     <p:extLst>
       <p:ext uri="{BB962C8B-B14F-4D97-AF65-F5344CB8AC3E}">
-        <p14:creationId xmlns:p14="http://schemas.microsoft.com/office/powerpoint/2010/main" val="4248367636"/>
+        <p14:creationId xmlns:p14="http://schemas.microsoft.com/office/powerpoint/2010/main" val="1882285867"/>
       </p:ext>
     </p:extLst>
   </p:cSld>
@@ -1835,7 +1833,7 @@
           <a:p>
             <a:fld id="{F9105398-09AC-42D7-B612-42E4B88822B6}" type="datetimeFigureOut">
               <a:rPr lang="en-US" smtClean="0"/>
-              <a:t>07/20/19</a:t>
+              <a:t>7/21/19</a:t>
             </a:fld>
             <a:endParaRPr lang="en-US"/>
           </a:p>
@@ -1886,7 +1884,7 @@
     </p:spTree>
     <p:extLst>
       <p:ext uri="{BB962C8B-B14F-4D97-AF65-F5344CB8AC3E}">
-        <p14:creationId xmlns:p14="http://schemas.microsoft.com/office/powerpoint/2010/main" val="462947259"/>
+        <p14:creationId xmlns:p14="http://schemas.microsoft.com/office/powerpoint/2010/main" val="3288199826"/>
       </p:ext>
     </p:extLst>
   </p:cSld>
@@ -1925,8 +1923,8 @@
         </p:nvSpPr>
         <p:spPr>
           <a:xfrm>
-            <a:off x="839788" y="457200"/>
-            <a:ext cx="3932237" cy="1600200"/>
+            <a:off x="629841" y="609600"/>
+            <a:ext cx="2949178" cy="2133600"/>
           </a:xfrm>
         </p:spPr>
         <p:txBody>
@@ -1938,10 +1936,10 @@
           </a:lstStyle>
           <a:p>
             <a:r>
-              <a:rPr lang="en-US" smtClean="0"/>
+              <a:rPr lang="en-US"/>
               <a:t>Click to edit Master title style</a:t>
             </a:r>
-            <a:endParaRPr lang="en-US"/>
+            <a:endParaRPr lang="en-US" dirty="0"/>
           </a:p>
         </p:txBody>
       </p:sp>
@@ -1957,8 +1955,8 @@
         </p:nvSpPr>
         <p:spPr>
           <a:xfrm>
-            <a:off x="5183188" y="987425"/>
-            <a:ext cx="6172200" cy="4873625"/>
+            <a:off x="3887391" y="1316569"/>
+            <a:ext cx="4629150" cy="6498167"/>
           </a:xfrm>
         </p:spPr>
         <p:txBody>
@@ -1995,38 +1993,38 @@
           <a:p>
             <a:pPr lvl="0"/>
             <a:r>
-              <a:rPr lang="en-US" smtClean="0"/>
+              <a:rPr lang="en-US"/>
               <a:t>Click to edit Master text styles</a:t>
             </a:r>
           </a:p>
           <a:p>
             <a:pPr lvl="1"/>
             <a:r>
-              <a:rPr lang="en-US" smtClean="0"/>
+              <a:rPr lang="en-US"/>
               <a:t>Second level</a:t>
             </a:r>
           </a:p>
           <a:p>
             <a:pPr lvl="2"/>
             <a:r>
-              <a:rPr lang="en-US" smtClean="0"/>
+              <a:rPr lang="en-US"/>
               <a:t>Third level</a:t>
             </a:r>
           </a:p>
           <a:p>
             <a:pPr lvl="3"/>
             <a:r>
-              <a:rPr lang="en-US" smtClean="0"/>
+              <a:rPr lang="en-US"/>
               <a:t>Fourth level</a:t>
             </a:r>
           </a:p>
           <a:p>
             <a:pPr lvl="4"/>
             <a:r>
-              <a:rPr lang="en-US" smtClean="0"/>
+              <a:rPr lang="en-US"/>
               <a:t>Fifth level</a:t>
             </a:r>
-            <a:endParaRPr lang="en-US"/>
+            <a:endParaRPr lang="en-US" dirty="0"/>
           </a:p>
         </p:txBody>
       </p:sp>
@@ -2042,8 +2040,8 @@
         </p:nvSpPr>
         <p:spPr>
           <a:xfrm>
-            <a:off x="839788" y="2057400"/>
-            <a:ext cx="3932237" cy="3811588"/>
+            <a:off x="629841" y="2743200"/>
+            <a:ext cx="2949178" cy="5082117"/>
           </a:xfrm>
         </p:spPr>
         <p:txBody>
@@ -2089,7 +2087,7 @@
           <a:p>
             <a:pPr lvl="0"/>
             <a:r>
-              <a:rPr lang="en-US" smtClean="0"/>
+              <a:rPr lang="en-US"/>
               <a:t>Click to edit Master text styles</a:t>
             </a:r>
           </a:p>
@@ -2112,7 +2110,7 @@
           <a:p>
             <a:fld id="{F9105398-09AC-42D7-B612-42E4B88822B6}" type="datetimeFigureOut">
               <a:rPr lang="en-US" smtClean="0"/>
-              <a:t>07/20/19</a:t>
+              <a:t>7/21/19</a:t>
             </a:fld>
             <a:endParaRPr lang="en-US"/>
           </a:p>
@@ -2163,7 +2161,7 @@
     </p:spTree>
     <p:extLst>
       <p:ext uri="{BB962C8B-B14F-4D97-AF65-F5344CB8AC3E}">
-        <p14:creationId xmlns:p14="http://schemas.microsoft.com/office/powerpoint/2010/main" val="4108084913"/>
+        <p14:creationId xmlns:p14="http://schemas.microsoft.com/office/powerpoint/2010/main" val="1141811669"/>
       </p:ext>
     </p:extLst>
   </p:cSld>
@@ -2202,8 +2200,8 @@
         </p:nvSpPr>
         <p:spPr>
           <a:xfrm>
-            <a:off x="839788" y="457200"/>
-            <a:ext cx="3932237" cy="1600200"/>
+            <a:off x="629841" y="609600"/>
+            <a:ext cx="2949178" cy="2133600"/>
           </a:xfrm>
         </p:spPr>
         <p:txBody>
@@ -2215,10 +2213,10 @@
           </a:lstStyle>
           <a:p>
             <a:r>
-              <a:rPr lang="en-US" smtClean="0"/>
+              <a:rPr lang="en-US"/>
               <a:t>Click to edit Master title style</a:t>
             </a:r>
-            <a:endParaRPr lang="en-US"/>
+            <a:endParaRPr lang="en-US" dirty="0"/>
           </a:p>
         </p:txBody>
       </p:sp>
@@ -2226,7 +2224,7 @@
         <p:nvSpPr>
           <p:cNvPr id="3" name="Picture Placeholder 2"/>
           <p:cNvSpPr>
-            <a:spLocks noGrp="1"/>
+            <a:spLocks noGrp="1" noChangeAspect="1"/>
           </p:cNvSpPr>
           <p:nvPr>
             <p:ph type="pic" idx="1"/>
@@ -2234,8 +2232,73 @@
         </p:nvSpPr>
         <p:spPr>
           <a:xfrm>
-            <a:off x="5183188" y="987425"/>
-            <a:ext cx="6172200" cy="4873625"/>
+            <a:off x="3887391" y="1316569"/>
+            <a:ext cx="4629150" cy="6498167"/>
+          </a:xfrm>
+        </p:spPr>
+        <p:txBody>
+          <a:bodyPr anchor="t"/>
+          <a:lstStyle>
+            <a:lvl1pPr marL="0" indent="0">
+              <a:buNone/>
+              <a:defRPr sz="3200"/>
+            </a:lvl1pPr>
+            <a:lvl2pPr marL="457200" indent="0">
+              <a:buNone/>
+              <a:defRPr sz="2800"/>
+            </a:lvl2pPr>
+            <a:lvl3pPr marL="914400" indent="0">
+              <a:buNone/>
+              <a:defRPr sz="2400"/>
+            </a:lvl3pPr>
+            <a:lvl4pPr marL="1371600" indent="0">
+              <a:buNone/>
+              <a:defRPr sz="2000"/>
+            </a:lvl4pPr>
+            <a:lvl5pPr marL="1828800" indent="0">
+              <a:buNone/>
+              <a:defRPr sz="2000"/>
+            </a:lvl5pPr>
+            <a:lvl6pPr marL="2286000" indent="0">
+              <a:buNone/>
+              <a:defRPr sz="2000"/>
+            </a:lvl6pPr>
+            <a:lvl7pPr marL="2743200" indent="0">
+              <a:buNone/>
+              <a:defRPr sz="2000"/>
+            </a:lvl7pPr>
+            <a:lvl8pPr marL="3200400" indent="0">
+              <a:buNone/>
+              <a:defRPr sz="2000"/>
+            </a:lvl8pPr>
+            <a:lvl9pPr marL="3657600" indent="0">
+              <a:buNone/>
+              <a:defRPr sz="2000"/>
+            </a:lvl9pPr>
+          </a:lstStyle>
+          <a:p>
+            <a:r>
+              <a:rPr lang="en-US"/>
+              <a:t>Click icon to add picture</a:t>
+            </a:r>
+            <a:endParaRPr lang="en-US" dirty="0"/>
+          </a:p>
+        </p:txBody>
+      </p:sp>
+      <p:sp>
+        <p:nvSpPr>
+          <p:cNvPr id="4" name="Text Placeholder 3"/>
+          <p:cNvSpPr>
+            <a:spLocks noGrp="1"/>
+          </p:cNvSpPr>
+          <p:nvPr>
+            <p:ph type="body" sz="half" idx="2"/>
+          </p:nvPr>
+        </p:nvSpPr>
+        <p:spPr>
+          <a:xfrm>
+            <a:off x="629841" y="2743200"/>
+            <a:ext cx="2949178" cy="5082117"/>
           </a:xfrm>
         </p:spPr>
         <p:txBody>
@@ -2243,67 +2306,6 @@
           <a:lstStyle>
             <a:lvl1pPr marL="0" indent="0">
               <a:buNone/>
-              <a:defRPr sz="3200"/>
-            </a:lvl1pPr>
-            <a:lvl2pPr marL="457200" indent="0">
-              <a:buNone/>
-              <a:defRPr sz="2800"/>
-            </a:lvl2pPr>
-            <a:lvl3pPr marL="914400" indent="0">
-              <a:buNone/>
-              <a:defRPr sz="2400"/>
-            </a:lvl3pPr>
-            <a:lvl4pPr marL="1371600" indent="0">
-              <a:buNone/>
-              <a:defRPr sz="2000"/>
-            </a:lvl4pPr>
-            <a:lvl5pPr marL="1828800" indent="0">
-              <a:buNone/>
-              <a:defRPr sz="2000"/>
-            </a:lvl5pPr>
-            <a:lvl6pPr marL="2286000" indent="0">
-              <a:buNone/>
-              <a:defRPr sz="2000"/>
-            </a:lvl6pPr>
-            <a:lvl7pPr marL="2743200" indent="0">
-              <a:buNone/>
-              <a:defRPr sz="2000"/>
-            </a:lvl7pPr>
-            <a:lvl8pPr marL="3200400" indent="0">
-              <a:buNone/>
-              <a:defRPr sz="2000"/>
-            </a:lvl8pPr>
-            <a:lvl9pPr marL="3657600" indent="0">
-              <a:buNone/>
-              <a:defRPr sz="2000"/>
-            </a:lvl9pPr>
-          </a:lstStyle>
-          <a:p>
-            <a:endParaRPr lang="en-US"/>
-          </a:p>
-        </p:txBody>
-      </p:sp>
-      <p:sp>
-        <p:nvSpPr>
-          <p:cNvPr id="4" name="Text Placeholder 3"/>
-          <p:cNvSpPr>
-            <a:spLocks noGrp="1"/>
-          </p:cNvSpPr>
-          <p:nvPr>
-            <p:ph type="body" sz="half" idx="2"/>
-          </p:nvPr>
-        </p:nvSpPr>
-        <p:spPr>
-          <a:xfrm>
-            <a:off x="839788" y="2057400"/>
-            <a:ext cx="3932237" cy="3811588"/>
-          </a:xfrm>
-        </p:spPr>
-        <p:txBody>
-          <a:bodyPr/>
-          <a:lstStyle>
-            <a:lvl1pPr marL="0" indent="0">
-              <a:buNone/>
               <a:defRPr sz="1600"/>
             </a:lvl1pPr>
             <a:lvl2pPr marL="457200" indent="0">
@@ -2342,7 +2344,7 @@
           <a:p>
             <a:pPr lvl="0"/>
             <a:r>
-              <a:rPr lang="en-US" smtClean="0"/>
+              <a:rPr lang="en-US"/>
               <a:t>Click to edit Master text styles</a:t>
             </a:r>
           </a:p>
@@ -2365,7 +2367,7 @@
           <a:p>
             <a:fld id="{F9105398-09AC-42D7-B612-42E4B88822B6}" type="datetimeFigureOut">
               <a:rPr lang="en-US" smtClean="0"/>
-              <a:t>07/20/19</a:t>
+              <a:t>7/21/19</a:t>
             </a:fld>
             <a:endParaRPr lang="en-US"/>
           </a:p>
@@ -2416,7 +2418,7 @@
     </p:spTree>
     <p:extLst>
       <p:ext uri="{BB962C8B-B14F-4D97-AF65-F5344CB8AC3E}">
-        <p14:creationId xmlns:p14="http://schemas.microsoft.com/office/powerpoint/2010/main" val="2280979291"/>
+        <p14:creationId xmlns:p14="http://schemas.microsoft.com/office/powerpoint/2010/main" val="3950860074"/>
       </p:ext>
     </p:extLst>
   </p:cSld>
@@ -2460,8 +2462,8 @@
         </p:nvSpPr>
         <p:spPr>
           <a:xfrm>
-            <a:off x="838200" y="365125"/>
-            <a:ext cx="10515600" cy="1325563"/>
+            <a:off x="628650" y="486836"/>
+            <a:ext cx="7886700" cy="1767417"/>
           </a:xfrm>
           <a:prstGeom prst="rect">
             <a:avLst/>
@@ -2474,10 +2476,10 @@
           <a:lstStyle/>
           <a:p>
             <a:r>
-              <a:rPr lang="en-US" smtClean="0"/>
+              <a:rPr lang="en-US"/>
               <a:t>Click to edit Master title style</a:t>
             </a:r>
-            <a:endParaRPr lang="en-US"/>
+            <a:endParaRPr lang="en-US" dirty="0"/>
           </a:p>
         </p:txBody>
       </p:sp>
@@ -2493,8 +2495,8 @@
         </p:nvSpPr>
         <p:spPr>
           <a:xfrm>
-            <a:off x="838200" y="1825625"/>
-            <a:ext cx="10515600" cy="4351338"/>
+            <a:off x="628650" y="2434167"/>
+            <a:ext cx="7886700" cy="5801784"/>
           </a:xfrm>
           <a:prstGeom prst="rect">
             <a:avLst/>
@@ -2508,38 +2510,38 @@
           <a:p>
             <a:pPr lvl="0"/>
             <a:r>
-              <a:rPr lang="en-US" smtClean="0"/>
+              <a:rPr lang="en-US"/>
               <a:t>Click to edit Master text styles</a:t>
             </a:r>
           </a:p>
           <a:p>
             <a:pPr lvl="1"/>
             <a:r>
-              <a:rPr lang="en-US" smtClean="0"/>
+              <a:rPr lang="en-US"/>
               <a:t>Second level</a:t>
             </a:r>
           </a:p>
           <a:p>
             <a:pPr lvl="2"/>
             <a:r>
-              <a:rPr lang="en-US" smtClean="0"/>
+              <a:rPr lang="en-US"/>
               <a:t>Third level</a:t>
             </a:r>
           </a:p>
           <a:p>
             <a:pPr lvl="3"/>
             <a:r>
-              <a:rPr lang="en-US" smtClean="0"/>
+              <a:rPr lang="en-US"/>
               <a:t>Fourth level</a:t>
             </a:r>
           </a:p>
           <a:p>
             <a:pPr lvl="4"/>
             <a:r>
-              <a:rPr lang="en-US" smtClean="0"/>
+              <a:rPr lang="en-US"/>
               <a:t>Fifth level</a:t>
             </a:r>
-            <a:endParaRPr lang="en-US"/>
+            <a:endParaRPr lang="en-US" dirty="0"/>
           </a:p>
         </p:txBody>
       </p:sp>
@@ -2555,8 +2557,8 @@
         </p:nvSpPr>
         <p:spPr>
           <a:xfrm>
-            <a:off x="838200" y="6356350"/>
-            <a:ext cx="2743200" cy="365125"/>
+            <a:off x="628650" y="8475136"/>
+            <a:ext cx="2057400" cy="486833"/>
           </a:xfrm>
           <a:prstGeom prst="rect">
             <a:avLst/>
@@ -2578,7 +2580,7 @@
           <a:p>
             <a:fld id="{F9105398-09AC-42D7-B612-42E4B88822B6}" type="datetimeFigureOut">
               <a:rPr lang="en-US" smtClean="0"/>
-              <a:t>07/20/19</a:t>
+              <a:t>7/21/19</a:t>
             </a:fld>
             <a:endParaRPr lang="en-US"/>
           </a:p>
@@ -2596,8 +2598,8 @@
         </p:nvSpPr>
         <p:spPr>
           <a:xfrm>
-            <a:off x="4038600" y="6356350"/>
-            <a:ext cx="4114800" cy="365125"/>
+            <a:off x="3028950" y="8475136"/>
+            <a:ext cx="3086100" cy="486833"/>
           </a:xfrm>
           <a:prstGeom prst="rect">
             <a:avLst/>
@@ -2633,8 +2635,8 @@
         </p:nvSpPr>
         <p:spPr>
           <a:xfrm>
-            <a:off x="8610600" y="6356350"/>
-            <a:ext cx="2743200" cy="365125"/>
+            <a:off x="6457950" y="8475136"/>
+            <a:ext cx="2057400" cy="486833"/>
           </a:xfrm>
           <a:prstGeom prst="rect">
             <a:avLst/>
@@ -2665,23 +2667,23 @@
     </p:spTree>
     <p:extLst>
       <p:ext uri="{BB962C8B-B14F-4D97-AF65-F5344CB8AC3E}">
-        <p14:creationId xmlns:p14="http://schemas.microsoft.com/office/powerpoint/2010/main" val="3389041488"/>
+        <p14:creationId xmlns:p14="http://schemas.microsoft.com/office/powerpoint/2010/main" val="1333656449"/>
       </p:ext>
     </p:extLst>
   </p:cSld>
   <p:clrMap bg1="lt1" tx1="dk1" bg2="lt2" tx2="dk2" accent1="accent1" accent2="accent2" accent3="accent3" accent4="accent4" accent5="accent5" accent6="accent6" hlink="hlink" folHlink="folHlink"/>
   <p:sldLayoutIdLst>
-    <p:sldLayoutId id="2147483649" r:id="rId1"/>
-    <p:sldLayoutId id="2147483650" r:id="rId2"/>
-    <p:sldLayoutId id="2147483651" r:id="rId3"/>
-    <p:sldLayoutId id="2147483652" r:id="rId4"/>
-    <p:sldLayoutId id="2147483653" r:id="rId5"/>
-    <p:sldLayoutId id="2147483654" r:id="rId6"/>
-    <p:sldLayoutId id="2147483655" r:id="rId7"/>
-    <p:sldLayoutId id="2147483656" r:id="rId8"/>
-    <p:sldLayoutId id="2147483657" r:id="rId9"/>
-    <p:sldLayoutId id="2147483658" r:id="rId10"/>
-    <p:sldLayoutId id="2147483659" r:id="rId11"/>
+    <p:sldLayoutId id="2147483661" r:id="rId1"/>
+    <p:sldLayoutId id="2147483662" r:id="rId2"/>
+    <p:sldLayoutId id="2147483663" r:id="rId3"/>
+    <p:sldLayoutId id="2147483664" r:id="rId4"/>
+    <p:sldLayoutId id="2147483665" r:id="rId5"/>
+    <p:sldLayoutId id="2147483666" r:id="rId6"/>
+    <p:sldLayoutId id="2147483667" r:id="rId7"/>
+    <p:sldLayoutId id="2147483668" r:id="rId8"/>
+    <p:sldLayoutId id="2147483669" r:id="rId9"/>
+    <p:sldLayoutId id="2147483670" r:id="rId10"/>
+    <p:sldLayoutId id="2147483671" r:id="rId11"/>
   </p:sldLayoutIdLst>
   <p:txStyles>
     <p:titleStyle>
@@ -2991,8 +2993,8 @@
         </p:nvSpPr>
         <p:spPr>
           <a:xfrm>
-            <a:off x="5064154" y="494950"/>
-            <a:ext cx="2063692" cy="671120"/>
+            <a:off x="4027483" y="659935"/>
+            <a:ext cx="2751589" cy="894827"/>
           </a:xfrm>
           <a:prstGeom prst="rect">
             <a:avLst/>
@@ -3018,10 +3020,9 @@
           <a:p>
             <a:pPr algn="ctr"/>
             <a:r>
-              <a:rPr lang="en-US" b="1" dirty="0" smtClean="0"/>
+              <a:rPr lang="en-US" sz="2400" b="1" dirty="0"/>
               <a:t>Method Proposed</a:t>
             </a:r>
-            <a:endParaRPr lang="en-US" b="1" dirty="0"/>
           </a:p>
         </p:txBody>
       </p:sp>
@@ -3033,8 +3034,8 @@
         </p:nvSpPr>
         <p:spPr>
           <a:xfrm>
-            <a:off x="5064154" y="1745257"/>
-            <a:ext cx="2063692" cy="671120"/>
+            <a:off x="4027483" y="2327009"/>
+            <a:ext cx="2751589" cy="894827"/>
           </a:xfrm>
           <a:prstGeom prst="rect">
             <a:avLst/>
@@ -3060,10 +3061,9 @@
           <a:p>
             <a:pPr algn="ctr"/>
             <a:r>
-              <a:rPr lang="en-US" b="1" dirty="0" smtClean="0"/>
+              <a:rPr lang="en-US" sz="2400" b="1" dirty="0"/>
               <a:t>Applied to Theoretical Data</a:t>
             </a:r>
-            <a:endParaRPr lang="en-US" b="1" dirty="0"/>
           </a:p>
         </p:txBody>
       </p:sp>
@@ -3075,8 +3075,8 @@
         </p:nvSpPr>
         <p:spPr>
           <a:xfrm>
-            <a:off x="5064154" y="5804484"/>
-            <a:ext cx="2063692" cy="885037"/>
+            <a:off x="4027483" y="7739313"/>
+            <a:ext cx="2751589" cy="1180049"/>
           </a:xfrm>
           <a:prstGeom prst="rect">
             <a:avLst/>
@@ -3105,10 +3105,9 @@
           <a:p>
             <a:pPr algn="ctr"/>
             <a:r>
-              <a:rPr lang="en-US" b="1" dirty="0" smtClean="0"/>
+              <a:rPr lang="en-US" sz="2400" b="1" dirty="0"/>
               <a:t>Testing Under Varying Data Quality, Quantity</a:t>
             </a:r>
-            <a:endParaRPr lang="en-US" b="1" dirty="0"/>
           </a:p>
         </p:txBody>
       </p:sp>
@@ -3120,8 +3119,8 @@
         </p:nvSpPr>
         <p:spPr>
           <a:xfrm>
-            <a:off x="5064154" y="4746421"/>
-            <a:ext cx="2063692" cy="671120"/>
+            <a:off x="4027483" y="6328561"/>
+            <a:ext cx="2751589" cy="894827"/>
           </a:xfrm>
           <a:prstGeom prst="rect">
             <a:avLst/>
@@ -3147,10 +3146,9 @@
           <a:p>
             <a:pPr algn="ctr"/>
             <a:r>
-              <a:rPr lang="en-US" b="1" dirty="0" smtClean="0"/>
+              <a:rPr lang="en-US" sz="2400" b="1" dirty="0"/>
               <a:t>Applied to Empirical Data</a:t>
             </a:r>
-            <a:endParaRPr lang="en-US" b="1" dirty="0"/>
           </a:p>
         </p:txBody>
       </p:sp>
@@ -3162,8 +3160,8 @@
         </p:nvSpPr>
         <p:spPr>
           <a:xfrm>
-            <a:off x="3916260" y="3245839"/>
-            <a:ext cx="2063692" cy="671120"/>
+            <a:off x="2496959" y="4327785"/>
+            <a:ext cx="2751589" cy="894827"/>
           </a:xfrm>
           <a:prstGeom prst="rect">
             <a:avLst/>
@@ -3189,10 +3187,9 @@
           <a:p>
             <a:pPr algn="ctr"/>
             <a:r>
-              <a:rPr lang="en-US" b="1" dirty="0" smtClean="0"/>
+              <a:rPr lang="en-US" sz="2400" b="1" dirty="0"/>
               <a:t>One Shift Type</a:t>
             </a:r>
-            <a:endParaRPr lang="en-US" b="1" dirty="0"/>
           </a:p>
         </p:txBody>
       </p:sp>
@@ -3204,8 +3201,8 @@
         </p:nvSpPr>
         <p:spPr>
           <a:xfrm>
-            <a:off x="6258187" y="3245839"/>
-            <a:ext cx="2063692" cy="671120"/>
+            <a:off x="5619526" y="4327785"/>
+            <a:ext cx="2751589" cy="894827"/>
           </a:xfrm>
           <a:prstGeom prst="rect">
             <a:avLst/>
@@ -3231,10 +3228,9 @@
           <a:p>
             <a:pPr algn="ctr"/>
             <a:r>
-              <a:rPr lang="en-US" b="1" dirty="0" smtClean="0"/>
+              <a:rPr lang="en-US" sz="2400" b="1" dirty="0"/>
               <a:t>Multiple Shift Types</a:t>
             </a:r>
-            <a:endParaRPr lang="en-US" b="1" dirty="0"/>
           </a:p>
         </p:txBody>
       </p:sp>
@@ -3249,8 +3245,8 @@
         </p:nvCxnSpPr>
         <p:spPr>
           <a:xfrm>
-            <a:off x="6096000" y="1166070"/>
-            <a:ext cx="0" cy="579187"/>
+            <a:off x="5403276" y="1554764"/>
+            <a:ext cx="0" cy="772249"/>
           </a:xfrm>
           <a:prstGeom prst="straightConnector1">
             <a:avLst/>
@@ -3285,8 +3281,8 @@
         </p:nvCxnSpPr>
         <p:spPr>
           <a:xfrm flipH="1">
-            <a:off x="4948106" y="2416377"/>
-            <a:ext cx="1147894" cy="829462"/>
+            <a:off x="3872753" y="3221839"/>
+            <a:ext cx="1530527" cy="1105951"/>
           </a:xfrm>
           <a:prstGeom prst="straightConnector1">
             <a:avLst/>
@@ -3321,8 +3317,8 @@
         </p:nvCxnSpPr>
         <p:spPr>
           <a:xfrm>
-            <a:off x="6096000" y="2416377"/>
-            <a:ext cx="1194033" cy="829462"/>
+            <a:off x="5403279" y="3221839"/>
+            <a:ext cx="1592044" cy="1105951"/>
           </a:xfrm>
           <a:prstGeom prst="straightConnector1">
             <a:avLst/>
@@ -3357,8 +3353,8 @@
         </p:nvCxnSpPr>
         <p:spPr>
           <a:xfrm flipH="1">
-            <a:off x="6096000" y="3916959"/>
-            <a:ext cx="1194033" cy="829462"/>
+            <a:off x="5403279" y="5222615"/>
+            <a:ext cx="1592044" cy="1105951"/>
           </a:xfrm>
           <a:prstGeom prst="straightConnector1">
             <a:avLst/>
@@ -3393,8 +3389,8 @@
         </p:nvCxnSpPr>
         <p:spPr>
           <a:xfrm>
-            <a:off x="4948106" y="3916959"/>
-            <a:ext cx="1147894" cy="829462"/>
+            <a:off x="3872753" y="5222615"/>
+            <a:ext cx="1530527" cy="1105951"/>
           </a:xfrm>
           <a:prstGeom prst="straightConnector1">
             <a:avLst/>
@@ -3429,8 +3425,8 @@
         </p:nvCxnSpPr>
         <p:spPr>
           <a:xfrm>
-            <a:off x="6096000" y="5417541"/>
-            <a:ext cx="0" cy="386943"/>
+            <a:off x="5403276" y="7223391"/>
+            <a:ext cx="0" cy="515924"/>
           </a:xfrm>
           <a:prstGeom prst="straightConnector1">
             <a:avLst/>
@@ -3465,8 +3461,8 @@
         </p:nvCxnSpPr>
         <p:spPr>
           <a:xfrm rot="10800000" flipV="1">
-            <a:off x="5064154" y="830509"/>
-            <a:ext cx="12700" cy="4251471"/>
+            <a:off x="4027483" y="1107349"/>
+            <a:ext cx="16933" cy="5668628"/>
           </a:xfrm>
           <a:prstGeom prst="bentConnector3">
             <a:avLst>
@@ -3534,8 +3530,8 @@
         </p:nvSpPr>
         <p:spPr>
           <a:xfrm>
-            <a:off x="5064154" y="494950"/>
-            <a:ext cx="2063692" cy="671120"/>
+            <a:off x="3958207" y="1130990"/>
+            <a:ext cx="2751589" cy="894827"/>
           </a:xfrm>
           <a:prstGeom prst="rect">
             <a:avLst/>
@@ -3561,10 +3557,9 @@
           <a:p>
             <a:pPr algn="ctr"/>
             <a:r>
-              <a:rPr lang="en-US" b="1" dirty="0" smtClean="0"/>
+              <a:rPr lang="en-US" sz="2400" b="1" dirty="0"/>
               <a:t>Method Proposed</a:t>
             </a:r>
-            <a:endParaRPr lang="en-US" b="1" dirty="0"/>
           </a:p>
         </p:txBody>
       </p:sp>
@@ -3576,8 +3571,8 @@
         </p:nvSpPr>
         <p:spPr>
           <a:xfrm>
-            <a:off x="5064154" y="1745257"/>
-            <a:ext cx="2063692" cy="671120"/>
+            <a:off x="3958207" y="2798064"/>
+            <a:ext cx="2751589" cy="894827"/>
           </a:xfrm>
           <a:prstGeom prst="rect">
             <a:avLst/>
@@ -3603,10 +3598,9 @@
           <a:p>
             <a:pPr algn="ctr"/>
             <a:r>
-              <a:rPr lang="en-US" b="1" dirty="0" smtClean="0"/>
+              <a:rPr lang="en-US" sz="2400" b="1" dirty="0"/>
               <a:t>Applied to Theoretical Data</a:t>
             </a:r>
-            <a:endParaRPr lang="en-US" b="1" dirty="0"/>
           </a:p>
         </p:txBody>
       </p:sp>
@@ -3618,8 +3612,8 @@
         </p:nvSpPr>
         <p:spPr>
           <a:xfrm>
-            <a:off x="5064154" y="4746421"/>
-            <a:ext cx="2063692" cy="671120"/>
+            <a:off x="3958207" y="6799616"/>
+            <a:ext cx="2751589" cy="894827"/>
           </a:xfrm>
           <a:prstGeom prst="rect">
             <a:avLst/>
@@ -3645,10 +3639,9 @@
           <a:p>
             <a:pPr algn="ctr"/>
             <a:r>
-              <a:rPr lang="en-US" b="1" dirty="0" smtClean="0"/>
+              <a:rPr lang="en-US" sz="2400" b="1" dirty="0"/>
               <a:t>Applied to Empirical Data</a:t>
             </a:r>
-            <a:endParaRPr lang="en-US" b="1" dirty="0"/>
           </a:p>
         </p:txBody>
       </p:sp>
@@ -3660,8 +3653,8 @@
         </p:nvSpPr>
         <p:spPr>
           <a:xfrm>
-            <a:off x="3916260" y="3245839"/>
-            <a:ext cx="2063692" cy="671120"/>
+            <a:off x="2427683" y="4798840"/>
+            <a:ext cx="2751589" cy="894827"/>
           </a:xfrm>
           <a:prstGeom prst="rect">
             <a:avLst/>
@@ -3687,10 +3680,9 @@
           <a:p>
             <a:pPr algn="ctr"/>
             <a:r>
-              <a:rPr lang="en-US" b="1" dirty="0" smtClean="0"/>
+              <a:rPr lang="en-US" sz="2400" b="1" dirty="0"/>
               <a:t>One Shift Type</a:t>
             </a:r>
-            <a:endParaRPr lang="en-US" b="1" dirty="0"/>
           </a:p>
         </p:txBody>
       </p:sp>
@@ -3702,8 +3694,8 @@
         </p:nvSpPr>
         <p:spPr>
           <a:xfrm>
-            <a:off x="6258187" y="3245839"/>
-            <a:ext cx="2063692" cy="671120"/>
+            <a:off x="5550250" y="4798840"/>
+            <a:ext cx="2751589" cy="894827"/>
           </a:xfrm>
           <a:prstGeom prst="rect">
             <a:avLst/>
@@ -3729,10 +3721,9 @@
           <a:p>
             <a:pPr algn="ctr"/>
             <a:r>
-              <a:rPr lang="en-US" b="1" dirty="0" smtClean="0"/>
+              <a:rPr lang="en-US" sz="2400" b="1" dirty="0"/>
               <a:t>Multiple Shift Types</a:t>
             </a:r>
-            <a:endParaRPr lang="en-US" b="1" dirty="0"/>
           </a:p>
         </p:txBody>
       </p:sp>
@@ -3747,8 +3738,8 @@
         </p:nvCxnSpPr>
         <p:spPr>
           <a:xfrm>
-            <a:off x="6096000" y="1166070"/>
-            <a:ext cx="0" cy="579187"/>
+            <a:off x="5334000" y="2025819"/>
+            <a:ext cx="0" cy="772249"/>
           </a:xfrm>
           <a:prstGeom prst="straightConnector1">
             <a:avLst/>
@@ -3783,8 +3774,8 @@
         </p:nvCxnSpPr>
         <p:spPr>
           <a:xfrm flipH="1">
-            <a:off x="4948106" y="2416377"/>
-            <a:ext cx="1147894" cy="829462"/>
+            <a:off x="3803477" y="3692894"/>
+            <a:ext cx="1530527" cy="1105951"/>
           </a:xfrm>
           <a:prstGeom prst="straightConnector1">
             <a:avLst/>
@@ -3819,8 +3810,8 @@
         </p:nvCxnSpPr>
         <p:spPr>
           <a:xfrm>
-            <a:off x="6096000" y="2416377"/>
-            <a:ext cx="1194033" cy="829462"/>
+            <a:off x="5334003" y="3692894"/>
+            <a:ext cx="1592044" cy="1105951"/>
           </a:xfrm>
           <a:prstGeom prst="straightConnector1">
             <a:avLst/>
@@ -3855,8 +3846,8 @@
         </p:nvCxnSpPr>
         <p:spPr>
           <a:xfrm flipH="1">
-            <a:off x="6096000" y="3916959"/>
-            <a:ext cx="1194033" cy="829462"/>
+            <a:off x="5334003" y="5693670"/>
+            <a:ext cx="1592044" cy="1105951"/>
           </a:xfrm>
           <a:prstGeom prst="straightConnector1">
             <a:avLst/>
@@ -3891,8 +3882,8 @@
         </p:nvCxnSpPr>
         <p:spPr>
           <a:xfrm>
-            <a:off x="4948106" y="3916959"/>
-            <a:ext cx="1147894" cy="829462"/>
+            <a:off x="3803477" y="5693670"/>
+            <a:ext cx="1530527" cy="1105951"/>
           </a:xfrm>
           <a:prstGeom prst="straightConnector1">
             <a:avLst/>
@@ -3927,8 +3918,8 @@
         </p:nvCxnSpPr>
         <p:spPr>
           <a:xfrm rot="10800000" flipV="1">
-            <a:off x="5064154" y="830509"/>
-            <a:ext cx="12700" cy="4251471"/>
+            <a:off x="3958207" y="1578404"/>
+            <a:ext cx="16933" cy="5668628"/>
           </a:xfrm>
           <a:prstGeom prst="bentConnector3">
             <a:avLst>
@@ -3996,8 +3987,8 @@
         </p:nvSpPr>
         <p:spPr>
           <a:xfrm>
-            <a:off x="5064154" y="494950"/>
-            <a:ext cx="2063692" cy="671120"/>
+            <a:off x="3196207" y="549097"/>
+            <a:ext cx="2751589" cy="894827"/>
           </a:xfrm>
           <a:prstGeom prst="rect">
             <a:avLst/>
@@ -4023,10 +4014,9 @@
           <a:p>
             <a:pPr algn="ctr"/>
             <a:r>
-              <a:rPr lang="en-US" b="1" dirty="0" smtClean="0"/>
+              <a:rPr lang="en-US" sz="2400" b="1" dirty="0"/>
               <a:t>Method Proposed</a:t>
             </a:r>
-            <a:endParaRPr lang="en-US" b="1" dirty="0"/>
           </a:p>
         </p:txBody>
       </p:sp>
@@ -4038,8 +4028,8 @@
         </p:nvSpPr>
         <p:spPr>
           <a:xfrm>
-            <a:off x="5064154" y="1745257"/>
-            <a:ext cx="2063692" cy="671120"/>
+            <a:off x="3196207" y="2216171"/>
+            <a:ext cx="2751589" cy="894827"/>
           </a:xfrm>
           <a:prstGeom prst="rect">
             <a:avLst/>
@@ -4065,10 +4055,9 @@
           <a:p>
             <a:pPr algn="ctr"/>
             <a:r>
-              <a:rPr lang="en-US" b="1" dirty="0" smtClean="0"/>
+              <a:rPr lang="en-US" sz="2400" b="1" dirty="0"/>
               <a:t>Applied to Theoretical Data</a:t>
             </a:r>
-            <a:endParaRPr lang="en-US" b="1" dirty="0"/>
           </a:p>
         </p:txBody>
       </p:sp>
@@ -4080,8 +4069,8 @@
         </p:nvSpPr>
         <p:spPr>
           <a:xfrm>
-            <a:off x="5064154" y="5804484"/>
-            <a:ext cx="2063692" cy="885037"/>
+            <a:off x="3196207" y="7628475"/>
+            <a:ext cx="2751589" cy="1180049"/>
           </a:xfrm>
           <a:prstGeom prst="rect">
             <a:avLst/>
@@ -4110,10 +4099,9 @@
           <a:p>
             <a:pPr algn="ctr"/>
             <a:r>
-              <a:rPr lang="en-US" b="1" dirty="0" smtClean="0"/>
+              <a:rPr lang="en-US" sz="2400" b="1" dirty="0"/>
               <a:t>Testing Under Varying Data Quality, Quantity</a:t>
             </a:r>
-            <a:endParaRPr lang="en-US" b="1" dirty="0"/>
           </a:p>
         </p:txBody>
       </p:sp>
@@ -4125,8 +4113,8 @@
         </p:nvSpPr>
         <p:spPr>
           <a:xfrm>
-            <a:off x="5064154" y="4746421"/>
-            <a:ext cx="2063692" cy="671120"/>
+            <a:off x="3196207" y="6217723"/>
+            <a:ext cx="2751589" cy="894827"/>
           </a:xfrm>
           <a:prstGeom prst="rect">
             <a:avLst/>
@@ -4152,10 +4140,9 @@
           <a:p>
             <a:pPr algn="ctr"/>
             <a:r>
-              <a:rPr lang="en-US" b="1" dirty="0" smtClean="0"/>
+              <a:rPr lang="en-US" sz="2400" b="1" dirty="0"/>
               <a:t>Applied to Empirical Data</a:t>
             </a:r>
-            <a:endParaRPr lang="en-US" b="1" dirty="0"/>
           </a:p>
         </p:txBody>
       </p:sp>
@@ -4167,8 +4154,8 @@
         </p:nvSpPr>
         <p:spPr>
           <a:xfrm>
-            <a:off x="3916260" y="3245839"/>
-            <a:ext cx="2063692" cy="671120"/>
+            <a:off x="1665683" y="4216947"/>
+            <a:ext cx="2751589" cy="894827"/>
           </a:xfrm>
           <a:prstGeom prst="rect">
             <a:avLst/>
@@ -4194,10 +4181,9 @@
           <a:p>
             <a:pPr algn="ctr"/>
             <a:r>
-              <a:rPr lang="en-US" b="1" dirty="0" smtClean="0"/>
+              <a:rPr lang="en-US" sz="2400" b="1" dirty="0"/>
               <a:t>One Shift Type</a:t>
             </a:r>
-            <a:endParaRPr lang="en-US" b="1" dirty="0"/>
           </a:p>
         </p:txBody>
       </p:sp>
@@ -4209,8 +4195,8 @@
         </p:nvSpPr>
         <p:spPr>
           <a:xfrm>
-            <a:off x="6258187" y="3245839"/>
-            <a:ext cx="2063692" cy="671120"/>
+            <a:off x="4788250" y="4216947"/>
+            <a:ext cx="2751589" cy="894827"/>
           </a:xfrm>
           <a:prstGeom prst="rect">
             <a:avLst/>
@@ -4236,10 +4222,9 @@
           <a:p>
             <a:pPr algn="ctr"/>
             <a:r>
-              <a:rPr lang="en-US" b="1" dirty="0" smtClean="0"/>
+              <a:rPr lang="en-US" sz="2400" b="1" dirty="0"/>
               <a:t>Multiple Shift Types</a:t>
             </a:r>
-            <a:endParaRPr lang="en-US" b="1" dirty="0"/>
           </a:p>
         </p:txBody>
       </p:sp>
@@ -4254,8 +4239,8 @@
         </p:nvCxnSpPr>
         <p:spPr>
           <a:xfrm>
-            <a:off x="6096000" y="1166070"/>
-            <a:ext cx="0" cy="579187"/>
+            <a:off x="4572000" y="1443926"/>
+            <a:ext cx="0" cy="772249"/>
           </a:xfrm>
           <a:prstGeom prst="straightConnector1">
             <a:avLst/>
@@ -4290,8 +4275,8 @@
         </p:nvCxnSpPr>
         <p:spPr>
           <a:xfrm flipH="1">
-            <a:off x="4948106" y="2416377"/>
-            <a:ext cx="1147894" cy="829462"/>
+            <a:off x="3041477" y="3111001"/>
+            <a:ext cx="1530527" cy="1105951"/>
           </a:xfrm>
           <a:prstGeom prst="straightConnector1">
             <a:avLst/>
@@ -4326,8 +4311,8 @@
         </p:nvCxnSpPr>
         <p:spPr>
           <a:xfrm>
-            <a:off x="6096000" y="2416377"/>
-            <a:ext cx="1194033" cy="829462"/>
+            <a:off x="4572003" y="3111001"/>
+            <a:ext cx="1592044" cy="1105951"/>
           </a:xfrm>
           <a:prstGeom prst="straightConnector1">
             <a:avLst/>
@@ -4362,8 +4347,8 @@
         </p:nvCxnSpPr>
         <p:spPr>
           <a:xfrm flipH="1">
-            <a:off x="6096000" y="3916959"/>
-            <a:ext cx="1194033" cy="829462"/>
+            <a:off x="4572003" y="5111777"/>
+            <a:ext cx="1592044" cy="1105951"/>
           </a:xfrm>
           <a:prstGeom prst="straightConnector1">
             <a:avLst/>
@@ -4398,8 +4383,8 @@
         </p:nvCxnSpPr>
         <p:spPr>
           <a:xfrm>
-            <a:off x="4948106" y="3916959"/>
-            <a:ext cx="1147894" cy="829462"/>
+            <a:off x="3041477" y="5111777"/>
+            <a:ext cx="1530527" cy="1105951"/>
           </a:xfrm>
           <a:prstGeom prst="straightConnector1">
             <a:avLst/>
@@ -4434,8 +4419,8 @@
         </p:nvCxnSpPr>
         <p:spPr>
           <a:xfrm>
-            <a:off x="6096000" y="5417541"/>
-            <a:ext cx="0" cy="386943"/>
+            <a:off x="4572000" y="7112553"/>
+            <a:ext cx="0" cy="515924"/>
           </a:xfrm>
           <a:prstGeom prst="straightConnector1">
             <a:avLst/>
@@ -4497,8 +4482,8 @@
         </p:nvSpPr>
         <p:spPr>
           <a:xfrm>
-            <a:off x="5064154" y="494950"/>
-            <a:ext cx="2063692" cy="671120"/>
+            <a:off x="3196207" y="632227"/>
+            <a:ext cx="2751589" cy="894827"/>
           </a:xfrm>
           <a:prstGeom prst="rect">
             <a:avLst/>
@@ -4524,10 +4509,9 @@
           <a:p>
             <a:pPr algn="ctr"/>
             <a:r>
-              <a:rPr lang="en-US" b="1" dirty="0" smtClean="0"/>
+              <a:rPr lang="en-US" sz="2400" b="1" dirty="0"/>
               <a:t>Method Proposed</a:t>
             </a:r>
-            <a:endParaRPr lang="en-US" b="1" dirty="0"/>
           </a:p>
         </p:txBody>
       </p:sp>
@@ -4539,8 +4523,8 @@
         </p:nvSpPr>
         <p:spPr>
           <a:xfrm>
-            <a:off x="5064154" y="1745257"/>
-            <a:ext cx="2063692" cy="671120"/>
+            <a:off x="3196207" y="2299301"/>
+            <a:ext cx="2751589" cy="894827"/>
           </a:xfrm>
           <a:prstGeom prst="rect">
             <a:avLst/>
@@ -4566,10 +4550,9 @@
           <a:p>
             <a:pPr algn="ctr"/>
             <a:r>
-              <a:rPr lang="en-US" b="1" dirty="0" smtClean="0"/>
+              <a:rPr lang="en-US" sz="2400" b="1" dirty="0"/>
               <a:t>Applied to Theoretical Data</a:t>
             </a:r>
-            <a:endParaRPr lang="en-US" b="1" dirty="0"/>
           </a:p>
         </p:txBody>
       </p:sp>
@@ -4581,8 +4564,8 @@
         </p:nvSpPr>
         <p:spPr>
           <a:xfrm>
-            <a:off x="5064154" y="4746421"/>
-            <a:ext cx="2063692" cy="671120"/>
+            <a:off x="3196207" y="6300853"/>
+            <a:ext cx="2751589" cy="894827"/>
           </a:xfrm>
           <a:prstGeom prst="rect">
             <a:avLst/>
@@ -4608,10 +4591,9 @@
           <a:p>
             <a:pPr algn="ctr"/>
             <a:r>
-              <a:rPr lang="en-US" b="1" dirty="0" smtClean="0"/>
+              <a:rPr lang="en-US" sz="2400" b="1" dirty="0"/>
               <a:t>Applied to Empirical Data</a:t>
             </a:r>
-            <a:endParaRPr lang="en-US" b="1" dirty="0"/>
           </a:p>
         </p:txBody>
       </p:sp>
@@ -4623,8 +4605,8 @@
         </p:nvSpPr>
         <p:spPr>
           <a:xfrm>
-            <a:off x="3916260" y="3245839"/>
-            <a:ext cx="2063692" cy="671120"/>
+            <a:off x="1665683" y="4300077"/>
+            <a:ext cx="2751589" cy="894827"/>
           </a:xfrm>
           <a:prstGeom prst="rect">
             <a:avLst/>
@@ -4650,10 +4632,9 @@
           <a:p>
             <a:pPr algn="ctr"/>
             <a:r>
-              <a:rPr lang="en-US" b="1" dirty="0" smtClean="0"/>
+              <a:rPr lang="en-US" sz="2400" b="1" dirty="0"/>
               <a:t>One Shift Type</a:t>
             </a:r>
-            <a:endParaRPr lang="en-US" b="1" dirty="0"/>
           </a:p>
         </p:txBody>
       </p:sp>
@@ -4665,8 +4646,8 @@
         </p:nvSpPr>
         <p:spPr>
           <a:xfrm>
-            <a:off x="6258187" y="3245839"/>
-            <a:ext cx="2063692" cy="671120"/>
+            <a:off x="4788250" y="4300077"/>
+            <a:ext cx="2751589" cy="894827"/>
           </a:xfrm>
           <a:prstGeom prst="rect">
             <a:avLst/>
@@ -4692,10 +4673,9 @@
           <a:p>
             <a:pPr algn="ctr"/>
             <a:r>
-              <a:rPr lang="en-US" b="1" dirty="0" smtClean="0"/>
+              <a:rPr lang="en-US" sz="2400" b="1" dirty="0"/>
               <a:t>Multiple Shift Types</a:t>
             </a:r>
-            <a:endParaRPr lang="en-US" b="1" dirty="0"/>
           </a:p>
         </p:txBody>
       </p:sp>
@@ -4710,8 +4690,8 @@
         </p:nvCxnSpPr>
         <p:spPr>
           <a:xfrm>
-            <a:off x="6096000" y="1166070"/>
-            <a:ext cx="0" cy="579187"/>
+            <a:off x="4572000" y="1527056"/>
+            <a:ext cx="0" cy="772249"/>
           </a:xfrm>
           <a:prstGeom prst="straightConnector1">
             <a:avLst/>
@@ -4746,8 +4726,8 @@
         </p:nvCxnSpPr>
         <p:spPr>
           <a:xfrm flipH="1">
-            <a:off x="4948106" y="2416377"/>
-            <a:ext cx="1147894" cy="829462"/>
+            <a:off x="3041477" y="3194131"/>
+            <a:ext cx="1530527" cy="1105951"/>
           </a:xfrm>
           <a:prstGeom prst="straightConnector1">
             <a:avLst/>
@@ -4782,8 +4762,8 @@
         </p:nvCxnSpPr>
         <p:spPr>
           <a:xfrm>
-            <a:off x="6096000" y="2416377"/>
-            <a:ext cx="1194033" cy="829462"/>
+            <a:off x="4572003" y="3194131"/>
+            <a:ext cx="1592044" cy="1105951"/>
           </a:xfrm>
           <a:prstGeom prst="straightConnector1">
             <a:avLst/>
@@ -4818,8 +4798,8 @@
         </p:nvCxnSpPr>
         <p:spPr>
           <a:xfrm flipH="1">
-            <a:off x="6096000" y="3916959"/>
-            <a:ext cx="1194033" cy="829462"/>
+            <a:off x="4572003" y="5194907"/>
+            <a:ext cx="1592044" cy="1105951"/>
           </a:xfrm>
           <a:prstGeom prst="straightConnector1">
             <a:avLst/>
@@ -4854,8 +4834,8 @@
         </p:nvCxnSpPr>
         <p:spPr>
           <a:xfrm>
-            <a:off x="4948106" y="3916959"/>
-            <a:ext cx="1147894" cy="829462"/>
+            <a:off x="3041477" y="5194907"/>
+            <a:ext cx="1530527" cy="1105951"/>
           </a:xfrm>
           <a:prstGeom prst="straightConnector1">
             <a:avLst/>
@@ -4895,7 +4875,7 @@
 <file path=ppt/theme/theme1.xml><?xml version="1.0" encoding="utf-8"?>
 <a:theme xmlns:a="http://schemas.openxmlformats.org/drawingml/2006/main" name="Office Theme">
   <a:themeElements>
-    <a:clrScheme name="Office">
+    <a:clrScheme name="Office Theme">
       <a:dk1>
         <a:sysClr val="windowText" lastClr="000000"/>
       </a:dk1>
@@ -4909,7 +4889,7 @@
         <a:srgbClr val="E7E6E6"/>
       </a:lt2>
       <a:accent1>
-        <a:srgbClr val="5B9BD5"/>
+        <a:srgbClr val="4472C4"/>
       </a:accent1>
       <a:accent2>
         <a:srgbClr val="ED7D31"/>
@@ -4921,7 +4901,7 @@
         <a:srgbClr val="FFC000"/>
       </a:accent4>
       <a:accent5>
-        <a:srgbClr val="4472C4"/>
+        <a:srgbClr val="5B9BD5"/>
       </a:accent5>
       <a:accent6>
         <a:srgbClr val="70AD47"/>
@@ -4933,14 +4913,14 @@
         <a:srgbClr val="954F72"/>
       </a:folHlink>
     </a:clrScheme>
-    <a:fontScheme name="Office">
+    <a:fontScheme name="Office Theme">
       <a:majorFont>
         <a:latin typeface="Calibri Light" panose="020F0302020204030204"/>
         <a:ea typeface=""/>
         <a:cs typeface=""/>
-        <a:font script="Jpan" typeface="ＭＳ Ｐゴシック"/>
+        <a:font script="Jpan" typeface="游ゴシック Light"/>
         <a:font script="Hang" typeface="맑은 고딕"/>
-        <a:font script="Hans" typeface="宋体"/>
+        <a:font script="Hans" typeface="等线 Light"/>
         <a:font script="Hant" typeface="新細明體"/>
         <a:font script="Arab" typeface="Times New Roman"/>
         <a:font script="Hebr" typeface="Times New Roman"/>
@@ -4973,9 +4953,9 @@
         <a:latin typeface="Calibri" panose="020F0502020204030204"/>
         <a:ea typeface=""/>
         <a:cs typeface=""/>
-        <a:font script="Jpan" typeface="ＭＳ Ｐゴシック"/>
+        <a:font script="Jpan" typeface="游ゴシック"/>
         <a:font script="Hang" typeface="맑은 고딕"/>
-        <a:font script="Hans" typeface="宋体"/>
+        <a:font script="Hans" typeface="等线"/>
         <a:font script="Hant" typeface="新細明體"/>
         <a:font script="Arab" typeface="Arial"/>
         <a:font script="Hebr" typeface="Arial"/>
@@ -5005,7 +4985,7 @@
         <a:font script="Geor" typeface="Sylfaen"/>
       </a:minorFont>
     </a:fontScheme>
-    <a:fmtScheme name="Office">
+    <a:fmtScheme name="Office Theme">
       <a:fillStyleLst>
         <a:solidFill>
           <a:schemeClr val="phClr"/>
